--- a/Thuyết trình/thuyet trinh.pptx
+++ b/Thuyết trình/thuyet trinh.pptx
@@ -5,7 +5,7 @@
     <p:sldMasterId id="2147483648" r:id="rId1"/>
   </p:sldMasterIdLst>
   <p:notesMasterIdLst>
-    <p:notesMasterId r:id="rId9"/>
+    <p:notesMasterId r:id="rId10"/>
   </p:notesMasterIdLst>
   <p:sldIdLst>
     <p:sldId id="256" r:id="rId2"/>
@@ -14,7 +14,8 @@
     <p:sldId id="429" r:id="rId5"/>
     <p:sldId id="431" r:id="rId6"/>
     <p:sldId id="430" r:id="rId7"/>
-    <p:sldId id="323" r:id="rId8"/>
+    <p:sldId id="432" r:id="rId8"/>
+    <p:sldId id="323" r:id="rId9"/>
   </p:sldIdLst>
   <p:sldSz cx="12192000" cy="6858000"/>
   <p:notesSz cx="6858000" cy="9144000"/>
@@ -10725,6 +10726,35 @@
           <a:chExt cx="0" cy="0"/>
         </a:xfrm>
       </p:grpSpPr>
+      <p:pic>
+        <p:nvPicPr>
+          <p:cNvPr id="4" name="Hình ảnh 3">
+            <a:extLst>
+              <a:ext uri="{FF2B5EF4-FFF2-40B4-BE49-F238E27FC236}">
+                <a16:creationId xmlns:a16="http://schemas.microsoft.com/office/drawing/2014/main" id="{21B2AF1C-A3E2-4FE4-907F-E11D985F3A7C}"/>
+              </a:ext>
+            </a:extLst>
+          </p:cNvPr>
+          <p:cNvPicPr>
+            <a:picLocks noChangeAspect="1"/>
+          </p:cNvPicPr>
+          <p:nvPr/>
+        </p:nvPicPr>
+        <p:blipFill>
+          <a:blip r:embed="rId2"/>
+          <a:srcRect/>
+          <a:stretch/>
+        </p:blipFill>
+        <p:spPr>
+          <a:xfrm>
+            <a:off x="2914206" y="571956"/>
+            <a:ext cx="7109687" cy="5651562"/>
+          </a:xfrm>
+          <a:prstGeom prst="rect">
+            <a:avLst/>
+          </a:prstGeom>
+        </p:spPr>
+      </p:pic>
       <p:sp>
         <p:nvSpPr>
           <p:cNvPr id="2" name="Text Placeholder 11">
@@ -10922,35 +10952,6 @@
           </a:p>
         </p:txBody>
       </p:sp>
-      <p:pic>
-        <p:nvPicPr>
-          <p:cNvPr id="4" name="Hình ảnh 3">
-            <a:extLst>
-              <a:ext uri="{FF2B5EF4-FFF2-40B4-BE49-F238E27FC236}">
-                <a16:creationId xmlns:a16="http://schemas.microsoft.com/office/drawing/2014/main" id="{21B2AF1C-A3E2-4FE4-907F-E11D985F3A7C}"/>
-              </a:ext>
-            </a:extLst>
-          </p:cNvPr>
-          <p:cNvPicPr>
-            <a:picLocks noChangeAspect="1"/>
-          </p:cNvPicPr>
-          <p:nvPr/>
-        </p:nvPicPr>
-        <p:blipFill>
-          <a:blip r:embed="rId2"/>
-          <a:srcRect/>
-          <a:stretch/>
-        </p:blipFill>
-        <p:spPr>
-          <a:xfrm>
-            <a:off x="2914206" y="571956"/>
-            <a:ext cx="7109687" cy="5651563"/>
-          </a:xfrm>
-          <a:prstGeom prst="rect">
-            <a:avLst/>
-          </a:prstGeom>
-        </p:spPr>
-      </p:pic>
     </p:spTree>
     <p:extLst>
       <p:ext uri="{BB962C8B-B14F-4D97-AF65-F5344CB8AC3E}">
@@ -11048,6 +11049,85 @@
 </file>
 
 <file path=ppt/slides/slide7.xml><?xml version="1.0" encoding="utf-8"?>
+<p:sld xmlns:a="http://schemas.openxmlformats.org/drawingml/2006/main" xmlns:r="http://schemas.openxmlformats.org/officeDocument/2006/relationships" xmlns:p="http://schemas.openxmlformats.org/presentationml/2006/main">
+  <p:cSld>
+    <p:spTree>
+      <p:nvGrpSpPr>
+        <p:cNvPr id="1" name=""/>
+        <p:cNvGrpSpPr/>
+        <p:nvPr/>
+      </p:nvGrpSpPr>
+      <p:grpSpPr>
+        <a:xfrm>
+          <a:off x="0" y="0"/>
+          <a:ext cx="0" cy="0"/>
+          <a:chOff x="0" y="0"/>
+          <a:chExt cx="0" cy="0"/>
+        </a:xfrm>
+      </p:grpSpPr>
+      <p:sp>
+        <p:nvSpPr>
+          <p:cNvPr id="2" name="Hộp Văn bản 1">
+            <a:extLst>
+              <a:ext uri="{FF2B5EF4-FFF2-40B4-BE49-F238E27FC236}">
+                <a16:creationId xmlns:a16="http://schemas.microsoft.com/office/drawing/2014/main" id="{1373B946-A6B3-4AA4-A941-3037EA07550F}"/>
+              </a:ext>
+            </a:extLst>
+          </p:cNvPr>
+          <p:cNvSpPr txBox="1"/>
+          <p:nvPr/>
+        </p:nvSpPr>
+        <p:spPr>
+          <a:xfrm>
+            <a:off x="4351421" y="2828835"/>
+            <a:ext cx="3489158" cy="1200329"/>
+          </a:xfrm>
+          <a:prstGeom prst="rect">
+            <a:avLst/>
+          </a:prstGeom>
+          <a:noFill/>
+        </p:spPr>
+        <p:txBody>
+          <a:bodyPr wrap="square" rtlCol="0">
+            <a:spAutoFit/>
+          </a:bodyPr>
+          <a:lstStyle/>
+          <a:p>
+            <a:pPr algn="ctr"/>
+            <a:r>
+              <a:rPr lang="en-US" sz="7200">
+                <a:solidFill>
+                  <a:srgbClr val="FF0000"/>
+                </a:solidFill>
+                <a:latin typeface="Arial" panose="020B0604020202020204" pitchFamily="34" charset="0"/>
+                <a:cs typeface="Arial" panose="020B0604020202020204" pitchFamily="34" charset="0"/>
+              </a:rPr>
+              <a:t>DEMO</a:t>
+            </a:r>
+            <a:endParaRPr lang="vi-VN" sz="7200">
+              <a:solidFill>
+                <a:srgbClr val="FF0000"/>
+              </a:solidFill>
+              <a:latin typeface="Arial" panose="020B0604020202020204" pitchFamily="34" charset="0"/>
+              <a:cs typeface="Arial" panose="020B0604020202020204" pitchFamily="34" charset="0"/>
+            </a:endParaRPr>
+          </a:p>
+        </p:txBody>
+      </p:sp>
+    </p:spTree>
+    <p:extLst>
+      <p:ext uri="{BB962C8B-B14F-4D97-AF65-F5344CB8AC3E}">
+        <p14:creationId xmlns:p14="http://schemas.microsoft.com/office/powerpoint/2010/main" val="3447851198"/>
+      </p:ext>
+    </p:extLst>
+  </p:cSld>
+  <p:clrMapOvr>
+    <a:masterClrMapping/>
+  </p:clrMapOvr>
+</p:sld>
+</file>
+
+<file path=ppt/slides/slide8.xml><?xml version="1.0" encoding="utf-8"?>
 <p:sld xmlns:a="http://schemas.openxmlformats.org/drawingml/2006/main" xmlns:r="http://schemas.openxmlformats.org/officeDocument/2006/relationships" xmlns:p="http://schemas.openxmlformats.org/presentationml/2006/main">
   <p:cSld>
     <p:spTree>
